--- a/SOLID.pptx
+++ b/SOLID.pptx
@@ -30,10 +30,11 @@
     <p:sldId id="268" r:id="rId24"/>
     <p:sldId id="284" r:id="rId25"/>
     <p:sldId id="269" r:id="rId26"/>
-    <p:sldId id="270" r:id="rId27"/>
-    <p:sldId id="271" r:id="rId28"/>
-    <p:sldId id="285" r:id="rId29"/>
-    <p:sldId id="286" r:id="rId30"/>
+    <p:sldId id="287" r:id="rId27"/>
+    <p:sldId id="270" r:id="rId28"/>
+    <p:sldId id="271" r:id="rId29"/>
+    <p:sldId id="285" r:id="rId30"/>
+    <p:sldId id="286" r:id="rId31"/>
   </p:sldIdLst>
   <p:sldSz cx="12192000" cy="6858000"/>
   <p:notesSz cx="6858000" cy="9144000"/>
@@ -132,6 +133,11 @@
       </a:defRPr>
     </a:lvl9pPr>
   </p:defaultTextStyle>
+  <p:extLst>
+    <p:ext uri="{EFAFB233-063F-42B5-8137-9DF3F51BA10A}">
+      <p15:sldGuideLst xmlns:p15="http://schemas.microsoft.com/office/powerpoint/2012/main"/>
+    </p:ext>
+  </p:extLst>
 </p:presentation>
 </file>
 
@@ -8928,7 +8934,7 @@
           <a:p>
             <a:fld id="{D1A7483D-D1DE-429A-B1A2-675367147F8A}" type="datetimeFigureOut">
               <a:rPr lang="pt-BR" smtClean="0"/>
-              <a:t>14/07/2017</a:t>
+              <a:t>21/07/2017</a:t>
             </a:fld>
             <a:endParaRPr lang="pt-BR"/>
           </a:p>
@@ -9135,7 +9141,7 @@
           <a:p>
             <a:fld id="{D1A7483D-D1DE-429A-B1A2-675367147F8A}" type="datetimeFigureOut">
               <a:rPr lang="pt-BR" smtClean="0"/>
-              <a:t>14/07/2017</a:t>
+              <a:t>21/07/2017</a:t>
             </a:fld>
             <a:endParaRPr lang="pt-BR"/>
           </a:p>
@@ -9315,7 +9321,7 @@
           <a:p>
             <a:fld id="{D1A7483D-D1DE-429A-B1A2-675367147F8A}" type="datetimeFigureOut">
               <a:rPr lang="pt-BR" smtClean="0"/>
-              <a:t>14/07/2017</a:t>
+              <a:t>21/07/2017</a:t>
             </a:fld>
             <a:endParaRPr lang="pt-BR"/>
           </a:p>
@@ -9520,7 +9526,7 @@
           <a:p>
             <a:fld id="{D1A7483D-D1DE-429A-B1A2-675367147F8A}" type="datetimeFigureOut">
               <a:rPr lang="pt-BR" smtClean="0"/>
-              <a:t>14/07/2017</a:t>
+              <a:t>21/07/2017</a:t>
             </a:fld>
             <a:endParaRPr lang="pt-BR"/>
           </a:p>
@@ -18418,7 +18424,7 @@
           <a:p>
             <a:fld id="{D1A7483D-D1DE-429A-B1A2-675367147F8A}" type="datetimeFigureOut">
               <a:rPr lang="pt-BR" smtClean="0"/>
-              <a:t>14/07/2017</a:t>
+              <a:t>21/07/2017</a:t>
             </a:fld>
             <a:endParaRPr lang="pt-BR"/>
           </a:p>
@@ -18692,7 +18698,7 @@
           <a:p>
             <a:fld id="{D1A7483D-D1DE-429A-B1A2-675367147F8A}" type="datetimeFigureOut">
               <a:rPr lang="pt-BR" smtClean="0"/>
-              <a:t>14/07/2017</a:t>
+              <a:t>21/07/2017</a:t>
             </a:fld>
             <a:endParaRPr lang="pt-BR"/>
           </a:p>
@@ -19090,7 +19096,7 @@
           <a:p>
             <a:fld id="{D1A7483D-D1DE-429A-B1A2-675367147F8A}" type="datetimeFigureOut">
               <a:rPr lang="pt-BR" smtClean="0"/>
-              <a:t>14/07/2017</a:t>
+              <a:t>21/07/2017</a:t>
             </a:fld>
             <a:endParaRPr lang="pt-BR"/>
           </a:p>
@@ -19208,7 +19214,7 @@
           <a:p>
             <a:fld id="{D1A7483D-D1DE-429A-B1A2-675367147F8A}" type="datetimeFigureOut">
               <a:rPr lang="pt-BR" smtClean="0"/>
-              <a:t>14/07/2017</a:t>
+              <a:t>21/07/2017</a:t>
             </a:fld>
             <a:endParaRPr lang="pt-BR"/>
           </a:p>
@@ -19303,7 +19309,7 @@
           <a:p>
             <a:fld id="{D1A7483D-D1DE-429A-B1A2-675367147F8A}" type="datetimeFigureOut">
               <a:rPr lang="pt-BR" smtClean="0"/>
-              <a:t>14/07/2017</a:t>
+              <a:t>21/07/2017</a:t>
             </a:fld>
             <a:endParaRPr lang="pt-BR"/>
           </a:p>
@@ -19593,7 +19599,7 @@
           <a:p>
             <a:fld id="{D1A7483D-D1DE-429A-B1A2-675367147F8A}" type="datetimeFigureOut">
               <a:rPr lang="pt-BR" smtClean="0"/>
-              <a:t>14/07/2017</a:t>
+              <a:t>21/07/2017</a:t>
             </a:fld>
             <a:endParaRPr lang="pt-BR"/>
           </a:p>
@@ -19873,7 +19879,7 @@
           <a:p>
             <a:fld id="{D1A7483D-D1DE-429A-B1A2-675367147F8A}" type="datetimeFigureOut">
               <a:rPr lang="pt-BR" smtClean="0"/>
-              <a:t>14/07/2017</a:t>
+              <a:t>21/07/2017</a:t>
             </a:fld>
             <a:endParaRPr lang="pt-BR"/>
           </a:p>
@@ -20123,7 +20129,7 @@
           <a:p>
             <a:fld id="{D1A7483D-D1DE-429A-B1A2-675367147F8A}" type="datetimeFigureOut">
               <a:rPr lang="pt-BR" smtClean="0"/>
-              <a:t>14/07/2017</a:t>
+              <a:t>21/07/2017</a:t>
             </a:fld>
             <a:endParaRPr lang="pt-BR"/>
           </a:p>
@@ -20671,6 +20677,54 @@
           </a:p>
         </p:txBody>
       </p:sp>
+      <p:pic>
+        <p:nvPicPr>
+          <p:cNvPr id="5" name="Imagem 4"/>
+          <p:cNvPicPr>
+            <a:picLocks noChangeAspect="1"/>
+          </p:cNvPicPr>
+          <p:nvPr/>
+        </p:nvPicPr>
+        <p:blipFill>
+          <a:blip r:embed="rId2"/>
+          <a:stretch>
+            <a:fillRect/>
+          </a:stretch>
+        </p:blipFill>
+        <p:spPr>
+          <a:xfrm>
+            <a:off x="76200" y="4960137"/>
+            <a:ext cx="2476846" cy="1438476"/>
+          </a:xfrm>
+          <a:prstGeom prst="rect">
+            <a:avLst/>
+          </a:prstGeom>
+        </p:spPr>
+      </p:pic>
+      <p:pic>
+        <p:nvPicPr>
+          <p:cNvPr id="6" name="Imagem 5"/>
+          <p:cNvPicPr>
+            <a:picLocks noChangeAspect="1"/>
+          </p:cNvPicPr>
+          <p:nvPr/>
+        </p:nvPicPr>
+        <p:blipFill>
+          <a:blip r:embed="rId3"/>
+          <a:stretch>
+            <a:fillRect/>
+          </a:stretch>
+        </p:blipFill>
+        <p:spPr>
+          <a:xfrm>
+            <a:off x="0" y="0"/>
+            <a:ext cx="12192000" cy="4650377"/>
+          </a:xfrm>
+          <a:prstGeom prst="rect">
+            <a:avLst/>
+          </a:prstGeom>
+        </p:spPr>
+      </p:pic>
     </p:spTree>
     <p:extLst>
       <p:ext uri="{BB962C8B-B14F-4D97-AF65-F5344CB8AC3E}">
@@ -22045,7 +22099,6 @@
               <a:rPr lang="pt-BR" sz="3200" dirty="0"/>
               <a:t> Bob) por volta do ano 2000. </a:t>
             </a:r>
-            <a:endParaRPr lang="pt-BR" sz="3200" dirty="0"/>
           </a:p>
         </p:txBody>
       </p:sp>
@@ -22880,44 +22933,6 @@
             <a:br>
               <a:rPr lang="pt-BR" b="1" dirty="0" smtClean="0"/>
             </a:br>
-            <a:r>
-              <a:rPr lang="pt-BR" b="1" dirty="0" smtClean="0"/>
-              <a:t> </a:t>
-            </a:r>
-            <a:r>
-              <a:rPr lang="pt-BR" dirty="0" smtClean="0"/>
-              <a:t>- Cuidado ao criar </a:t>
-            </a:r>
-            <a:r>
-              <a:rPr lang="pt-BR" dirty="0"/>
-              <a:t>uma interface genérica demais, </a:t>
-            </a:r>
-            <a:r>
-              <a:rPr lang="pt-BR" dirty="0" smtClean="0"/>
-              <a:t>acaba </a:t>
-            </a:r>
-            <a:r>
-              <a:rPr lang="pt-BR" dirty="0"/>
-              <a:t>fazendo com que uma </a:t>
-            </a:r>
-            <a:r>
-              <a:rPr lang="pt-BR" dirty="0" smtClean="0"/>
-              <a:t>implementação </a:t>
-            </a:r>
-            <a:r>
-              <a:rPr lang="pt-BR" dirty="0"/>
-              <a:t>não utilize certos métodos da interface</a:t>
-            </a:r>
-            <a:r>
-              <a:rPr lang="pt-BR" dirty="0" smtClean="0"/>
-              <a:t>. </a:t>
-            </a:r>
-            <a:endParaRPr lang="pt-BR" dirty="0"/>
-          </a:p>
-          <a:p>
-            <a:pPr marL="0" indent="0">
-              <a:buNone/>
-            </a:pPr>
             <a:endParaRPr lang="pt-BR" dirty="0" smtClean="0"/>
           </a:p>
         </p:txBody>
@@ -22968,24 +22983,12 @@
           <a:lstStyle/>
           <a:p>
             <a:r>
-              <a:rPr lang="pt-BR" dirty="0"/>
-              <a:t>D</a:t>
-            </a:r>
-            <a:r>
               <a:rPr lang="pt-BR" dirty="0" smtClean="0"/>
-              <a:t> – </a:t>
+              <a:t>I – interface </a:t>
             </a:r>
             <a:r>
               <a:rPr lang="pt-BR" dirty="0" err="1" smtClean="0"/>
-              <a:t>dependency</a:t>
-            </a:r>
-            <a:r>
-              <a:rPr lang="pt-BR" dirty="0" smtClean="0"/>
-              <a:t> </a:t>
-            </a:r>
-            <a:r>
-              <a:rPr lang="pt-BR" dirty="0" err="1" smtClean="0"/>
-              <a:t>inversion</a:t>
+              <a:t>segregation</a:t>
             </a:r>
             <a:r>
               <a:rPr lang="pt-BR" dirty="0" smtClean="0"/>
@@ -23022,30 +23025,7 @@
             </a:pPr>
             <a:r>
               <a:rPr lang="pt-BR" b="1" dirty="0" smtClean="0"/>
-              <a:t>“</a:t>
-            </a:r>
-            <a:r>
-              <a:rPr lang="pt-BR" b="1" dirty="0"/>
-              <a:t>Módulos de alto nível não devem depender de módulos de baixo nível. Ambos devem depender de abstrações;</a:t>
-            </a:r>
-            <a:r>
-              <a:rPr lang="pt-BR" b="1" dirty="0"/>
-              <a:t/>
-            </a:r>
-            <a:br>
-              <a:rPr lang="pt-BR" b="1" dirty="0"/>
-            </a:br>
-            <a:r>
-              <a:rPr lang="pt-BR" b="1" dirty="0" smtClean="0"/>
-              <a:t> </a:t>
-            </a:r>
-            <a:r>
-              <a:rPr lang="pt-BR" b="1" dirty="0"/>
-              <a:t>Abstrações não devem depender de detalhes. Detalhes devem depender de abstrações</a:t>
-            </a:r>
-            <a:r>
-              <a:rPr lang="pt-BR" b="1" dirty="0" smtClean="0"/>
-              <a:t>.”</a:t>
+              <a:t>“Clientes não devem ser forçados a depender de métodos que não usam.”</a:t>
             </a:r>
             <a:br>
               <a:rPr lang="pt-BR" b="1" dirty="0" smtClean="0"/>
@@ -23057,6 +23037,38 @@
             <a:br>
               <a:rPr lang="pt-BR" b="1" dirty="0" smtClean="0"/>
             </a:br>
+            <a:r>
+              <a:rPr lang="pt-BR" b="1" dirty="0" smtClean="0"/>
+              <a:t> </a:t>
+            </a:r>
+            <a:r>
+              <a:rPr lang="pt-BR" dirty="0" smtClean="0"/>
+              <a:t>- Cuidado ao criar </a:t>
+            </a:r>
+            <a:r>
+              <a:rPr lang="pt-BR" dirty="0"/>
+              <a:t>uma interface genérica demais, </a:t>
+            </a:r>
+            <a:r>
+              <a:rPr lang="pt-BR" dirty="0" smtClean="0"/>
+              <a:t>acaba </a:t>
+            </a:r>
+            <a:r>
+              <a:rPr lang="pt-BR" dirty="0"/>
+              <a:t>fazendo com que uma </a:t>
+            </a:r>
+            <a:r>
+              <a:rPr lang="pt-BR" dirty="0" smtClean="0"/>
+              <a:t>implementação </a:t>
+            </a:r>
+            <a:r>
+              <a:rPr lang="pt-BR" dirty="0"/>
+              <a:t>não utilize certos métodos da interface</a:t>
+            </a:r>
+            <a:r>
+              <a:rPr lang="pt-BR" dirty="0" smtClean="0"/>
+              <a:t>. </a:t>
+            </a:r>
             <a:endParaRPr lang="pt-BR" dirty="0"/>
           </a:p>
           <a:p>
@@ -23070,7 +23082,7 @@
     </p:spTree>
     <p:extLst>
       <p:ext uri="{BB962C8B-B14F-4D97-AF65-F5344CB8AC3E}">
-        <p14:creationId xmlns:p14="http://schemas.microsoft.com/office/powerpoint/2010/main" val="3378672474"/>
+        <p14:creationId xmlns:p14="http://schemas.microsoft.com/office/powerpoint/2010/main" val="853583671"/>
       </p:ext>
     </p:extLst>
   </p:cSld>
@@ -23173,10 +23185,6 @@
               <a:rPr lang="pt-BR" b="1" dirty="0"/>
               <a:t>Módulos de alto nível não devem depender de módulos de baixo nível. Ambos devem depender de abstrações;</a:t>
             </a:r>
-            <a:r>
-              <a:rPr lang="pt-BR" b="1" dirty="0"/>
-              <a:t/>
-            </a:r>
             <a:br>
               <a:rPr lang="pt-BR" b="1" dirty="0"/>
             </a:br>
@@ -23202,18 +23210,6 @@
             <a:br>
               <a:rPr lang="pt-BR" b="1" dirty="0" smtClean="0"/>
             </a:br>
-            <a:r>
-              <a:rPr lang="pt-BR" b="1" dirty="0" smtClean="0"/>
-              <a:t> - </a:t>
-            </a:r>
-            <a:r>
-              <a:rPr lang="pt-BR" dirty="0" smtClean="0"/>
-              <a:t>Inverter </a:t>
-            </a:r>
-            <a:r>
-              <a:rPr lang="pt-BR" dirty="0"/>
-              <a:t>a dependência faz com que um cliente não fique frágil a mudanças relacionadas a detalhes de implementação. Isto é, alterar o detalhe não quebra o cliente. Além disso, o mesmo cliente pode ser reutilizado com outro detalhe de implementação.</a:t>
-            </a:r>
             <a:endParaRPr lang="pt-BR" dirty="0"/>
           </a:p>
           <a:p>
@@ -23227,7 +23223,7 @@
     </p:spTree>
     <p:extLst>
       <p:ext uri="{BB962C8B-B14F-4D97-AF65-F5344CB8AC3E}">
-        <p14:creationId xmlns:p14="http://schemas.microsoft.com/office/powerpoint/2010/main" val="606231687"/>
+        <p14:creationId xmlns:p14="http://schemas.microsoft.com/office/powerpoint/2010/main" val="3378672474"/>
       </p:ext>
     </p:extLst>
   </p:cSld>
@@ -23330,10 +23326,6 @@
               <a:rPr lang="pt-BR" b="1" dirty="0"/>
               <a:t>Módulos de alto nível não devem depender de módulos de baixo nível. Ambos devem depender de abstrações;</a:t>
             </a:r>
-            <a:r>
-              <a:rPr lang="pt-BR" b="1" dirty="0"/>
-              <a:t/>
-            </a:r>
             <a:br>
               <a:rPr lang="pt-BR" b="1" dirty="0"/>
             </a:br>
@@ -23371,23 +23363,19 @@
               <a:rPr lang="pt-BR" dirty="0"/>
               <a:t>a dependência faz com que um cliente não fique frágil a mudanças relacionadas a detalhes de implementação. Isto é, alterar o detalhe não quebra o cliente. Além disso, o mesmo cliente pode ser reutilizado com outro detalhe de implementação.</a:t>
             </a:r>
-            <a:endParaRPr lang="pt-BR" dirty="0"/>
           </a:p>
           <a:p>
             <a:pPr marL="0" indent="0">
               <a:buNone/>
             </a:pPr>
-            <a:r>
-              <a:rPr lang="pt-BR" dirty="0" smtClean="0"/>
-              <a:t> - Dependa de uma abstração e não de uma implementação.</a:t>
-            </a:r>
+            <a:endParaRPr lang="pt-BR" dirty="0" smtClean="0"/>
           </a:p>
         </p:txBody>
       </p:sp>
     </p:spTree>
     <p:extLst>
       <p:ext uri="{BB962C8B-B14F-4D97-AF65-F5344CB8AC3E}">
-        <p14:creationId xmlns:p14="http://schemas.microsoft.com/office/powerpoint/2010/main" val="2120737885"/>
+        <p14:creationId xmlns:p14="http://schemas.microsoft.com/office/powerpoint/2010/main" val="606231687"/>
       </p:ext>
     </p:extLst>
   </p:cSld>
@@ -23430,8 +23418,28 @@
           <a:lstStyle/>
           <a:p>
             <a:r>
+              <a:rPr lang="pt-BR" dirty="0"/>
+              <a:t>D</a:t>
+            </a:r>
+            <a:r>
               <a:rPr lang="pt-BR" dirty="0" smtClean="0"/>
-              <a:t>MUITO OBRIGADO !!!</a:t>
+              <a:t> – </a:t>
+            </a:r>
+            <a:r>
+              <a:rPr lang="pt-BR" dirty="0" err="1" smtClean="0"/>
+              <a:t>dependency</a:t>
+            </a:r>
+            <a:r>
+              <a:rPr lang="pt-BR" dirty="0" smtClean="0"/>
+              <a:t> </a:t>
+            </a:r>
+            <a:r>
+              <a:rPr lang="pt-BR" dirty="0" err="1" smtClean="0"/>
+              <a:t>inversion</a:t>
+            </a:r>
+            <a:r>
+              <a:rPr lang="pt-BR" dirty="0" smtClean="0"/>
+              <a:t> PRINCIPLE</a:t>
             </a:r>
             <a:endParaRPr lang="pt-BR" dirty="0"/>
           </a:p>
@@ -23459,66 +23467,70 @@
           </a:bodyPr>
           <a:lstStyle/>
           <a:p>
-            <a:pPr>
-              <a:buFont typeface="Arial" panose="020B0604020202020204" pitchFamily="34" charset="0"/>
-              <a:buChar char="•"/>
+            <a:pPr marL="0" indent="0">
+              <a:buNone/>
             </a:pPr>
             <a:r>
-              <a:rPr lang="pt-BR" sz="4000" dirty="0" smtClean="0"/>
-              <a:t> Eduardo Conz</a:t>
-            </a:r>
-          </a:p>
-          <a:p>
-            <a:pPr>
-              <a:buFont typeface="Arial" panose="020B0604020202020204" pitchFamily="34" charset="0"/>
-              <a:buChar char="•"/>
-            </a:pPr>
-            <a:endParaRPr lang="pt-BR" sz="4000" dirty="0"/>
-          </a:p>
-          <a:p>
-            <a:pPr>
-              <a:buFont typeface="Arial" panose="020B0604020202020204" pitchFamily="34" charset="0"/>
-              <a:buChar char="•"/>
-            </a:pPr>
-            <a:endParaRPr lang="pt-BR" sz="4000" dirty="0" smtClean="0"/>
+              <a:rPr lang="pt-BR" b="1" dirty="0" smtClean="0"/>
+              <a:t>“</a:t>
+            </a:r>
+            <a:r>
+              <a:rPr lang="pt-BR" b="1" dirty="0"/>
+              <a:t>Módulos de alto nível não devem depender de módulos de baixo nível. Ambos devem depender de abstrações;</a:t>
+            </a:r>
+            <a:br>
+              <a:rPr lang="pt-BR" b="1" dirty="0"/>
+            </a:br>
+            <a:r>
+              <a:rPr lang="pt-BR" b="1" dirty="0" smtClean="0"/>
+              <a:t> </a:t>
+            </a:r>
+            <a:r>
+              <a:rPr lang="pt-BR" b="1" dirty="0"/>
+              <a:t>Abstrações não devem depender de detalhes. Detalhes devem depender de abstrações</a:t>
+            </a:r>
+            <a:r>
+              <a:rPr lang="pt-BR" b="1" dirty="0" smtClean="0"/>
+              <a:t>.”</a:t>
+            </a:r>
+            <a:br>
+              <a:rPr lang="pt-BR" b="1" dirty="0" smtClean="0"/>
+            </a:br>
+            <a:r>
+              <a:rPr lang="pt-BR" b="1" dirty="0" smtClean="0"/>
+              <a:t/>
+            </a:r>
+            <a:br>
+              <a:rPr lang="pt-BR" b="1" dirty="0" smtClean="0"/>
+            </a:br>
+            <a:r>
+              <a:rPr lang="pt-BR" b="1" dirty="0" smtClean="0"/>
+              <a:t> - </a:t>
+            </a:r>
+            <a:r>
+              <a:rPr lang="pt-BR" dirty="0" smtClean="0"/>
+              <a:t>Inverter </a:t>
+            </a:r>
+            <a:r>
+              <a:rPr lang="pt-BR" dirty="0"/>
+              <a:t>a dependência faz com que um cliente não fique frágil a mudanças relacionadas a detalhes de implementação. Isto é, alterar o detalhe não quebra o cliente. Além disso, o mesmo cliente pode ser reutilizado com outro detalhe de implementação.</a:t>
+            </a:r>
           </a:p>
           <a:p>
             <a:pPr marL="0" indent="0">
               <a:buNone/>
             </a:pPr>
-            <a:endParaRPr lang="pt-BR" sz="4000" dirty="0" smtClean="0"/>
-          </a:p>
-          <a:p>
-            <a:pPr>
-              <a:buFont typeface="Arial" panose="020B0604020202020204" pitchFamily="34" charset="0"/>
-              <a:buChar char="•"/>
-            </a:pPr>
-            <a:r>
-              <a:rPr lang="pt-BR" sz="2800" dirty="0"/>
-              <a:t> </a:t>
-            </a:r>
-            <a:r>
-              <a:rPr lang="pt-BR" sz="2800" dirty="0" smtClean="0"/>
-              <a:t>www.linkedin.com/in/eduardo-conz-81387265</a:t>
-            </a:r>
-          </a:p>
-          <a:p>
-            <a:pPr>
-              <a:buFont typeface="Arial" panose="020B0604020202020204" pitchFamily="34" charset="0"/>
-              <a:buChar char="•"/>
-            </a:pPr>
-            <a:r>
-              <a:rPr lang="pt-BR" sz="2800" dirty="0"/>
-              <a:t> https://github.com/educonz/SOLID</a:t>
-            </a:r>
-            <a:endParaRPr lang="pt-BR" sz="2800" dirty="0" smtClean="0"/>
+            <a:r>
+              <a:rPr lang="pt-BR" dirty="0" smtClean="0"/>
+              <a:t> - Dependa de uma abstração e não de uma implementação.</a:t>
+            </a:r>
           </a:p>
         </p:txBody>
       </p:sp>
     </p:spTree>
     <p:extLst>
       <p:ext uri="{BB962C8B-B14F-4D97-AF65-F5344CB8AC3E}">
-        <p14:creationId xmlns:p14="http://schemas.microsoft.com/office/powerpoint/2010/main" val="2387228705"/>
+        <p14:creationId xmlns:p14="http://schemas.microsoft.com/office/powerpoint/2010/main" val="2120737885"/>
       </p:ext>
     </p:extLst>
   </p:cSld>
@@ -23655,6 +23667,137 @@
     <p:extLst>
       <p:ext uri="{BB962C8B-B14F-4D97-AF65-F5344CB8AC3E}">
         <p14:creationId xmlns:p14="http://schemas.microsoft.com/office/powerpoint/2010/main" val="3287312167"/>
+      </p:ext>
+    </p:extLst>
+  </p:cSld>
+  <p:clrMapOvr>
+    <a:masterClrMapping/>
+  </p:clrMapOvr>
+</p:sld>
+</file>
+
+<file path=ppt/slides/slide30.xml><?xml version="1.0" encoding="utf-8"?>
+<p:sld xmlns:a="http://schemas.openxmlformats.org/drawingml/2006/main" xmlns:r="http://schemas.openxmlformats.org/officeDocument/2006/relationships" xmlns:p="http://schemas.openxmlformats.org/presentationml/2006/main">
+  <p:cSld>
+    <p:spTree>
+      <p:nvGrpSpPr>
+        <p:cNvPr id="1" name=""/>
+        <p:cNvGrpSpPr/>
+        <p:nvPr/>
+      </p:nvGrpSpPr>
+      <p:grpSpPr>
+        <a:xfrm>
+          <a:off x="0" y="0"/>
+          <a:ext cx="0" cy="0"/>
+          <a:chOff x="0" y="0"/>
+          <a:chExt cx="0" cy="0"/>
+        </a:xfrm>
+      </p:grpSpPr>
+      <p:sp>
+        <p:nvSpPr>
+          <p:cNvPr id="2" name="Título 1"/>
+          <p:cNvSpPr>
+            <a:spLocks noGrp="1"/>
+          </p:cNvSpPr>
+          <p:nvPr>
+            <p:ph type="title"/>
+          </p:nvPr>
+        </p:nvSpPr>
+        <p:spPr/>
+        <p:txBody>
+          <a:bodyPr/>
+          <a:lstStyle/>
+          <a:p>
+            <a:r>
+              <a:rPr lang="pt-BR" dirty="0" smtClean="0"/>
+              <a:t>MUITO OBRIGADO !!!</a:t>
+            </a:r>
+            <a:endParaRPr lang="pt-BR" dirty="0"/>
+          </a:p>
+        </p:txBody>
+      </p:sp>
+      <p:sp>
+        <p:nvSpPr>
+          <p:cNvPr id="3" name="Espaço Reservado para Conteúdo 2"/>
+          <p:cNvSpPr>
+            <a:spLocks noGrp="1"/>
+          </p:cNvSpPr>
+          <p:nvPr>
+            <p:ph idx="1"/>
+          </p:nvPr>
+        </p:nvSpPr>
+        <p:spPr>
+          <a:xfrm>
+            <a:off x="1024128" y="2285999"/>
+            <a:ext cx="9720073" cy="4101921"/>
+          </a:xfrm>
+        </p:spPr>
+        <p:txBody>
+          <a:bodyPr>
+            <a:normAutofit/>
+          </a:bodyPr>
+          <a:lstStyle/>
+          <a:p>
+            <a:pPr>
+              <a:buFont typeface="Arial" panose="020B0604020202020204" pitchFamily="34" charset="0"/>
+              <a:buChar char="•"/>
+            </a:pPr>
+            <a:r>
+              <a:rPr lang="pt-BR" sz="4000" dirty="0" smtClean="0"/>
+              <a:t> Eduardo Conz</a:t>
+            </a:r>
+          </a:p>
+          <a:p>
+            <a:pPr>
+              <a:buFont typeface="Arial" panose="020B0604020202020204" pitchFamily="34" charset="0"/>
+              <a:buChar char="•"/>
+            </a:pPr>
+            <a:endParaRPr lang="pt-BR" sz="4000" dirty="0"/>
+          </a:p>
+          <a:p>
+            <a:pPr>
+              <a:buFont typeface="Arial" panose="020B0604020202020204" pitchFamily="34" charset="0"/>
+              <a:buChar char="•"/>
+            </a:pPr>
+            <a:endParaRPr lang="pt-BR" sz="4000" dirty="0" smtClean="0"/>
+          </a:p>
+          <a:p>
+            <a:pPr marL="0" indent="0">
+              <a:buNone/>
+            </a:pPr>
+            <a:endParaRPr lang="pt-BR" sz="4000" dirty="0" smtClean="0"/>
+          </a:p>
+          <a:p>
+            <a:pPr>
+              <a:buFont typeface="Arial" panose="020B0604020202020204" pitchFamily="34" charset="0"/>
+              <a:buChar char="•"/>
+            </a:pPr>
+            <a:r>
+              <a:rPr lang="pt-BR" sz="2800" dirty="0"/>
+              <a:t> </a:t>
+            </a:r>
+            <a:r>
+              <a:rPr lang="pt-BR" sz="2800" dirty="0" smtClean="0"/>
+              <a:t>www.linkedin.com/in/eduardo-conz-81387265</a:t>
+            </a:r>
+          </a:p>
+          <a:p>
+            <a:pPr>
+              <a:buFont typeface="Arial" panose="020B0604020202020204" pitchFamily="34" charset="0"/>
+              <a:buChar char="•"/>
+            </a:pPr>
+            <a:r>
+              <a:rPr lang="pt-BR" sz="2800" dirty="0"/>
+              <a:t> https://github.com/educonz/SOLID</a:t>
+            </a:r>
+            <a:endParaRPr lang="pt-BR" sz="2800" dirty="0" smtClean="0"/>
+          </a:p>
+        </p:txBody>
+      </p:sp>
+    </p:spTree>
+    <p:extLst>
+      <p:ext uri="{BB962C8B-B14F-4D97-AF65-F5344CB8AC3E}">
+        <p14:creationId xmlns:p14="http://schemas.microsoft.com/office/powerpoint/2010/main" val="2387228705"/>
       </p:ext>
     </p:extLst>
   </p:cSld>
